--- a/extd/Idea Presentation Format - SIH 2022  - College.pptx
+++ b/extd/Idea Presentation Format - SIH 2022  - College.pptx
@@ -266,8 +266,11 @@
     </a:lvl9pPr>
   </p:defaultTextStyle>
   <p:extLst>
+    <p:ext uri="{EFAFB233-063F-42B5-8137-9DF3F51BA10A}">
+      <p15:sldGuideLst xmlns:p15="http://schemas.microsoft.com/office/powerpoint/2012/main"/>
+    </p:ext>
     <p:ext uri="http://customooxmlschemas.google.com/">
-      <go:slidesCustomData xmlns:go="http://customooxmlschemas.google.com/" xmlns:ahyp="http://schemas.microsoft.com/office/drawing/2018/hyperlinkcolor" xmlns:p15="http://schemas.microsoft.com/office/powerpoint/2012/main" xmlns:p14="http://schemas.microsoft.com/office/powerpoint/2010/main" xmlns:com="http://schemas.openxmlformats.org/drawingml/2006/compatibility" xmlns:pvml="urn:schemas-microsoft-com:office:powerpoint" xmlns:v="urn:schemas-microsoft-com:vml" xmlns:o="urn:schemas-microsoft-com:office:office" xmlns:dgm="http://schemas.openxmlformats.org/drawingml/2006/diagram" xmlns:c="http://schemas.openxmlformats.org/drawingml/2006/chart" xmlns:mv="urn:schemas-microsoft-com:mac:vml" xmlns:mc="http://schemas.openxmlformats.org/markup-compatibility/2006" xmlns="" r:id="rId17" roundtripDataSignature="AMtx7mi1sBDdHb2XsYteFNPHBFMUQvu/sQ=="/>
+      <go:slidesCustomData xmlns="" xmlns:mc="http://schemas.openxmlformats.org/markup-compatibility/2006" xmlns:mv="urn:schemas-microsoft-com:mac:vml" xmlns:c="http://schemas.openxmlformats.org/drawingml/2006/chart" xmlns:dgm="http://schemas.openxmlformats.org/drawingml/2006/diagram" xmlns:o="urn:schemas-microsoft-com:office:office" xmlns:v="urn:schemas-microsoft-com:vml" xmlns:pvml="urn:schemas-microsoft-com:office:powerpoint" xmlns:com="http://schemas.openxmlformats.org/drawingml/2006/compatibility" xmlns:p14="http://schemas.microsoft.com/office/powerpoint/2010/main" xmlns:p15="http://schemas.microsoft.com/office/powerpoint/2012/main" xmlns:ahyp="http://schemas.microsoft.com/office/drawing/2018/hyperlinkcolor" xmlns:go="http://customooxmlschemas.google.com/" r:id="rId17" roundtripDataSignature="AMtx7mi1sBDdHb2XsYteFNPHBFMUQvu/sQ=="/>
     </p:ext>
   </p:extLst>
 </p:presentation>
@@ -24627,27 +24630,17 @@
                 <a:cs typeface="Franklin Gothic"/>
                 <a:sym typeface="Franklin Gothic"/>
               </a:rPr>
-              <a:t>Institute Name: </a:t>
+              <a:t>Institute Name: Amity University </a:t>
             </a:r>
-            <a:endParaRPr dirty="0"/>
-          </a:p>
-          <a:p>
-            <a:pPr marL="0" lvl="0" indent="0" algn="l" rtl="0">
-              <a:lnSpc>
-                <a:spcPct val="90000"/>
-              </a:lnSpc>
-              <a:spcBef>
-                <a:spcPts val="1000"/>
-              </a:spcBef>
-              <a:spcAft>
-                <a:spcPts val="0"/>
-              </a:spcAft>
-              <a:buClr>
-                <a:schemeClr val="lt2"/>
-              </a:buClr>
-              <a:buSzPts val="1800"/>
-              <a:buNone/>
-            </a:pPr>
+            <a:r>
+              <a:rPr lang="en-US" dirty="0" err="1">
+                <a:latin typeface="Franklin Gothic"/>
+                <a:ea typeface="Franklin Gothic"/>
+                <a:cs typeface="Franklin Gothic"/>
+                <a:sym typeface="Franklin Gothic"/>
+              </a:rPr>
+              <a:t>Nodia</a:t>
+            </a:r>
             <a:endParaRPr dirty="0">
               <a:latin typeface="Franklin Gothic"/>
               <a:ea typeface="Franklin Gothic"/>
@@ -24679,7 +24672,7 @@
                 <a:cs typeface="Franklin Gothic"/>
                 <a:sym typeface="Franklin Gothic"/>
               </a:rPr>
-              <a:t>Theme Name:</a:t>
+              <a:t>Theme Name: Miscellaneous</a:t>
             </a:r>
             <a:endParaRPr dirty="0"/>
           </a:p>
@@ -24876,7 +24869,7 @@
             </a:pPr>
             <a:r>
               <a:rPr lang="en-US" dirty="0"/>
-              <a:t> </a:t>
+              <a:t> As we all know that we waste a large amount of food everyday that is in good condition, which can be recycled or reused ,so we have developed an app using which a person can send the pictures of there waste food so that it can be given to people in need or can be used as manure. The person can simply click the photo of the food item and our volunteer will take that food and reuse or recycle that item defending upon its condition.</a:t>
             </a:r>
             <a:endParaRPr dirty="0"/>
           </a:p>
@@ -25071,7 +25064,7 @@
               <a:buNone/>
             </a:pPr>
             <a:r>
-              <a:rPr lang="en-US" sz="1800" b="0" i="0">
+              <a:rPr lang="en-US" sz="1800" b="0" i="0" dirty="0">
                 <a:solidFill>
                   <a:schemeClr val="lt2"/>
                 </a:solidFill>
@@ -25083,7 +25076,7 @@
               <a:t>Describe your Technology stack here</a:t>
             </a:r>
             <a:r>
-              <a:rPr lang="en-US" sz="1600" b="0" i="0">
+              <a:rPr lang="en-US" sz="1600" b="0" i="0" dirty="0">
                 <a:solidFill>
                   <a:schemeClr val="dk1"/>
                 </a:solidFill>
@@ -25094,10 +25087,10 @@
               </a:rPr>
               <a:t>:</a:t>
             </a:r>
-            <a:endParaRPr/>
+            <a:endParaRPr dirty="0"/>
           </a:p>
           <a:p>
-            <a:pPr marL="285750" marR="0" lvl="0" indent="-285750" algn="l" rtl="0">
+            <a:pPr marR="0" lvl="0" algn="l" rtl="0">
               <a:lnSpc>
                 <a:spcPct val="100000"/>
               </a:lnSpc>
@@ -25111,11 +25104,9 @@
                 <a:schemeClr val="dk1"/>
               </a:buClr>
               <a:buSzPts val="1600"/>
-              <a:buFont typeface="Noto Sans Symbols"/>
-              <a:buChar char="⮚"/>
             </a:pPr>
             <a:r>
-              <a:rPr lang="en-US" sz="1600" b="0" i="0">
+              <a:rPr lang="en-US" sz="1600" b="0" i="0" dirty="0">
                 <a:solidFill>
                   <a:schemeClr val="dk1"/>
                 </a:solidFill>
@@ -25124,9 +25115,131 @@
                 <a:cs typeface="Libre Franklin"/>
                 <a:sym typeface="Libre Franklin"/>
               </a:rPr>
-              <a:t>  </a:t>
+              <a:t> </a:t>
             </a:r>
-            <a:endParaRPr/>
+            <a:r>
+              <a:rPr lang="en-US" sz="1600" b="0" i="0" u="none" strike="noStrike" dirty="0">
+                <a:solidFill>
+                  <a:srgbClr val="000000"/>
+                </a:solidFill>
+                <a:effectLst/>
+              </a:rPr>
+              <a:t>Technologies we used to develop the application:</a:t>
+            </a:r>
+            <a:endParaRPr lang="en-US" sz="1600" dirty="0"/>
+          </a:p>
+          <a:p>
+            <a:pPr marL="342900" indent="-342900">
+              <a:buFont typeface="+mj-lt"/>
+              <a:buAutoNum type="arabicPeriod"/>
+            </a:pPr>
+            <a:r>
+              <a:rPr lang="en-US" sz="1600" b="0" i="0" u="none" strike="noStrike" dirty="0">
+                <a:solidFill>
+                  <a:srgbClr val="000000"/>
+                </a:solidFill>
+                <a:effectLst/>
+              </a:rPr>
+              <a:t>Google Maps</a:t>
+            </a:r>
+            <a:endParaRPr lang="en-US" sz="1600" dirty="0"/>
+          </a:p>
+          <a:p>
+            <a:pPr marL="342900" indent="-342900">
+              <a:buFont typeface="+mj-lt"/>
+              <a:buAutoNum type="arabicPeriod"/>
+            </a:pPr>
+            <a:r>
+              <a:rPr lang="en-US" sz="1600" b="0" i="0" u="none" strike="noStrike" dirty="0">
+                <a:solidFill>
+                  <a:srgbClr val="000000"/>
+                </a:solidFill>
+                <a:effectLst/>
+              </a:rPr>
+              <a:t>DBMS (</a:t>
+            </a:r>
+            <a:r>
+              <a:rPr lang="en-US" sz="1600" b="0" i="0" u="none" strike="noStrike" dirty="0" err="1">
+                <a:solidFill>
+                  <a:srgbClr val="000000"/>
+                </a:solidFill>
+                <a:effectLst/>
+              </a:rPr>
+              <a:t>Sqlite</a:t>
+            </a:r>
+            <a:r>
+              <a:rPr lang="en-US" sz="1600" b="0" i="0" u="none" strike="noStrike" dirty="0">
+                <a:solidFill>
+                  <a:srgbClr val="000000"/>
+                </a:solidFill>
+                <a:effectLst/>
+              </a:rPr>
+              <a:t>)</a:t>
+            </a:r>
+            <a:endParaRPr lang="en-US" sz="1600" dirty="0"/>
+          </a:p>
+          <a:p>
+            <a:pPr marL="342900" indent="-342900">
+              <a:buFont typeface="+mj-lt"/>
+              <a:buAutoNum type="arabicPeriod"/>
+            </a:pPr>
+            <a:r>
+              <a:rPr lang="en-US" sz="1600" b="0" i="0" u="none" strike="noStrike" dirty="0">
+                <a:solidFill>
+                  <a:srgbClr val="000000"/>
+                </a:solidFill>
+                <a:effectLst/>
+              </a:rPr>
+              <a:t>Sockets</a:t>
+            </a:r>
+            <a:endParaRPr lang="en-US" sz="1600" dirty="0"/>
+          </a:p>
+          <a:p>
+            <a:pPr marL="342900" indent="-342900">
+              <a:buFont typeface="+mj-lt"/>
+              <a:buAutoNum type="arabicPeriod"/>
+            </a:pPr>
+            <a:r>
+              <a:rPr lang="en-US" sz="1600" b="0" i="0" u="none" strike="noStrike" dirty="0">
+                <a:solidFill>
+                  <a:srgbClr val="000000"/>
+                </a:solidFill>
+                <a:effectLst/>
+              </a:rPr>
+              <a:t>Multithreading</a:t>
+            </a:r>
+          </a:p>
+          <a:p>
+            <a:pPr marL="342900" indent="-342900">
+              <a:buFont typeface="+mj-lt"/>
+              <a:buAutoNum type="arabicPeriod"/>
+            </a:pPr>
+            <a:r>
+              <a:rPr lang="en-US" sz="1600" dirty="0"/>
+              <a:t>Hashing &amp; Async Encryption algo</a:t>
+            </a:r>
+          </a:p>
+          <a:p>
+            <a:pPr marL="342900" indent="-342900">
+              <a:buFont typeface="+mj-lt"/>
+              <a:buAutoNum type="arabicPeriod"/>
+            </a:pPr>
+            <a:r>
+              <a:rPr lang="en-US" sz="1600" dirty="0" err="1"/>
+              <a:t>Diffe</a:t>
+            </a:r>
+            <a:r>
+              <a:rPr lang="en-US" sz="1600" dirty="0"/>
+              <a:t> </a:t>
+            </a:r>
+            <a:r>
+              <a:rPr lang="en-US" sz="1600" dirty="0" err="1"/>
+              <a:t>hellman</a:t>
+            </a:r>
+            <a:r>
+              <a:rPr lang="en-US" sz="1600" dirty="0"/>
+              <a:t> key exchange</a:t>
+            </a:r>
           </a:p>
           <a:p>
             <a:pPr marL="0" marR="0" lvl="0" indent="0" algn="l" rtl="0">
@@ -25146,7 +25259,35 @@
               <a:buFont typeface="Arial"/>
               <a:buNone/>
             </a:pPr>
-            <a:endParaRPr sz="1600" b="0" i="0">
+            <a:endParaRPr lang="en-US" sz="1600" b="0" i="0" dirty="0">
+              <a:solidFill>
+                <a:schemeClr val="dk1"/>
+              </a:solidFill>
+              <a:latin typeface="Libre Franklin"/>
+              <a:ea typeface="Libre Franklin"/>
+              <a:cs typeface="Libre Franklin"/>
+              <a:sym typeface="Libre Franklin"/>
+            </a:endParaRPr>
+          </a:p>
+          <a:p>
+            <a:pPr marL="0" marR="0" lvl="0" indent="0" algn="l" rtl="0">
+              <a:lnSpc>
+                <a:spcPct val="100000"/>
+              </a:lnSpc>
+              <a:spcBef>
+                <a:spcPts val="1000"/>
+              </a:spcBef>
+              <a:spcAft>
+                <a:spcPts val="0"/>
+              </a:spcAft>
+              <a:buClr>
+                <a:schemeClr val="dk1"/>
+              </a:buClr>
+              <a:buSzPts val="1600"/>
+              <a:buFont typeface="Arial"/>
+              <a:buNone/>
+            </a:pPr>
+            <a:endParaRPr sz="1600" b="0" i="0" dirty="0">
               <a:solidFill>
                 <a:schemeClr val="dk1"/>
               </a:solidFill>
@@ -25343,10 +25484,156 @@
               <a:buChar char="⮚"/>
             </a:pPr>
             <a:r>
-              <a:rPr lang="en-US"/>
-              <a:t>  </a:t>
+              <a:rPr lang="en-US" dirty="0"/>
+              <a:t> Home </a:t>
             </a:r>
-            <a:endParaRPr/>
+            <a:r>
+              <a:rPr lang="en-US" dirty="0">
+                <a:sym typeface="Wingdings" panose="05000000000000000000" pitchFamily="2" charset="2"/>
+              </a:rPr>
+              <a:t> So this is our home page on this page the customer can either add an image of the food item or review the items that are already present in the gallery.</a:t>
+            </a:r>
+          </a:p>
+          <a:p>
+            <a:pPr marL="285750" lvl="0" indent="-285750" algn="l" rtl="0">
+              <a:lnSpc>
+                <a:spcPct val="90000"/>
+              </a:lnSpc>
+              <a:spcBef>
+                <a:spcPts val="0"/>
+              </a:spcBef>
+              <a:spcAft>
+                <a:spcPts val="0"/>
+              </a:spcAft>
+              <a:buClr>
+                <a:schemeClr val="dk1"/>
+              </a:buClr>
+              <a:buSzPts val="1600"/>
+              <a:buFont typeface="Noto Sans Symbols"/>
+              <a:buChar char="⮚"/>
+            </a:pPr>
+            <a:endParaRPr lang="en-US" dirty="0">
+              <a:sym typeface="Wingdings" panose="05000000000000000000" pitchFamily="2" charset="2"/>
+            </a:endParaRPr>
+          </a:p>
+          <a:p>
+            <a:pPr marL="285750" indent="-285750">
+              <a:spcBef>
+                <a:spcPts val="0"/>
+              </a:spcBef>
+              <a:buFont typeface="Noto Sans Symbols"/>
+              <a:buChar char="⮚"/>
+            </a:pPr>
+            <a:r>
+              <a:rPr lang="en-US" dirty="0" err="1">
+                <a:sym typeface="Wingdings" panose="05000000000000000000" pitchFamily="2" charset="2"/>
+              </a:rPr>
+              <a:t>Dropzone</a:t>
+            </a:r>
+            <a:r>
+              <a:rPr lang="en-US" dirty="0">
+                <a:sym typeface="Wingdings" panose="05000000000000000000" pitchFamily="2" charset="2"/>
+              </a:rPr>
+              <a:t> </a:t>
+            </a:r>
+            <a:r>
+              <a:rPr lang="en-US" dirty="0"/>
+              <a:t>When you click this button, a map will open and all the closest </a:t>
+            </a:r>
+            <a:r>
+              <a:rPr lang="en-US" dirty="0" err="1"/>
+              <a:t>dropzones</a:t>
+            </a:r>
+            <a:r>
+              <a:rPr lang="en-US" dirty="0"/>
+              <a:t> from your location can be viewed. You can deliver the leftover food items to the nearest </a:t>
+            </a:r>
+            <a:r>
+              <a:rPr lang="en-US" dirty="0" err="1"/>
+              <a:t>dropzone</a:t>
+            </a:r>
+            <a:r>
+              <a:rPr lang="en-US" dirty="0"/>
+              <a:t>.</a:t>
+            </a:r>
+          </a:p>
+          <a:p>
+            <a:pPr marL="285750" lvl="0" indent="-285750" algn="l" rtl="0">
+              <a:lnSpc>
+                <a:spcPct val="90000"/>
+              </a:lnSpc>
+              <a:spcBef>
+                <a:spcPts val="0"/>
+              </a:spcBef>
+              <a:spcAft>
+                <a:spcPts val="0"/>
+              </a:spcAft>
+              <a:buClr>
+                <a:schemeClr val="dk1"/>
+              </a:buClr>
+              <a:buSzPts val="1600"/>
+              <a:buFont typeface="Noto Sans Symbols"/>
+              <a:buChar char="⮚"/>
+            </a:pPr>
+            <a:endParaRPr lang="en-US" dirty="0">
+              <a:sym typeface="Wingdings" panose="05000000000000000000" pitchFamily="2" charset="2"/>
+            </a:endParaRPr>
+          </a:p>
+          <a:p>
+            <a:pPr marL="285750" lvl="0" indent="-285750" algn="l" rtl="0">
+              <a:lnSpc>
+                <a:spcPct val="90000"/>
+              </a:lnSpc>
+              <a:spcBef>
+                <a:spcPts val="0"/>
+              </a:spcBef>
+              <a:spcAft>
+                <a:spcPts val="0"/>
+              </a:spcAft>
+              <a:buClr>
+                <a:schemeClr val="dk1"/>
+              </a:buClr>
+              <a:buSzPts val="1600"/>
+              <a:buFont typeface="Noto Sans Symbols"/>
+              <a:buChar char="⮚"/>
+            </a:pPr>
+            <a:endParaRPr lang="en-US" dirty="0">
+              <a:sym typeface="Wingdings" panose="05000000000000000000" pitchFamily="2" charset="2"/>
+            </a:endParaRPr>
+          </a:p>
+          <a:p>
+            <a:pPr marL="285750" lvl="0" indent="-285750" algn="l" rtl="0">
+              <a:lnSpc>
+                <a:spcPct val="90000"/>
+              </a:lnSpc>
+              <a:spcBef>
+                <a:spcPts val="0"/>
+              </a:spcBef>
+              <a:spcAft>
+                <a:spcPts val="0"/>
+              </a:spcAft>
+              <a:buClr>
+                <a:schemeClr val="dk1"/>
+              </a:buClr>
+              <a:buSzPts val="1600"/>
+              <a:buFont typeface="Noto Sans Symbols"/>
+              <a:buChar char="⮚"/>
+            </a:pPr>
+            <a:r>
+              <a:rPr lang="en-US" dirty="0">
+                <a:sym typeface="Wingdings" panose="05000000000000000000" pitchFamily="2" charset="2"/>
+              </a:rPr>
+              <a:t>Goal  After clicking this button you can see all the goals and challenges region-wise </a:t>
+            </a:r>
+            <a:r>
+              <a:rPr lang="en-US" dirty="0">
+                <a:solidFill>
+                  <a:srgbClr val="FF0000"/>
+                </a:solidFill>
+                <a:sym typeface="Wingdings" panose="05000000000000000000" pitchFamily="2" charset="2"/>
+              </a:rPr>
+              <a:t>and you can be a part of something big and contribute to betterment of the society.</a:t>
+            </a:r>
           </a:p>
         </p:txBody>
       </p:sp>

--- a/extd/Idea Presentation Format - SIH 2022  - College.pptx
+++ b/extd/Idea Presentation Format - SIH 2022  - College.pptx
@@ -270,7 +270,7 @@
       <p15:sldGuideLst xmlns:p15="http://schemas.microsoft.com/office/powerpoint/2012/main"/>
     </p:ext>
     <p:ext uri="http://customooxmlschemas.google.com/">
-      <go:slidesCustomData xmlns="" xmlns:mc="http://schemas.openxmlformats.org/markup-compatibility/2006" xmlns:mv="urn:schemas-microsoft-com:mac:vml" xmlns:c="http://schemas.openxmlformats.org/drawingml/2006/chart" xmlns:dgm="http://schemas.openxmlformats.org/drawingml/2006/diagram" xmlns:o="urn:schemas-microsoft-com:office:office" xmlns:v="urn:schemas-microsoft-com:vml" xmlns:pvml="urn:schemas-microsoft-com:office:powerpoint" xmlns:com="http://schemas.openxmlformats.org/drawingml/2006/compatibility" xmlns:p14="http://schemas.microsoft.com/office/powerpoint/2010/main" xmlns:p15="http://schemas.microsoft.com/office/powerpoint/2012/main" xmlns:ahyp="http://schemas.microsoft.com/office/drawing/2018/hyperlinkcolor" xmlns:go="http://customooxmlschemas.google.com/" r:id="rId17" roundtripDataSignature="AMtx7mi1sBDdHb2XsYteFNPHBFMUQvu/sQ=="/>
+      <go:slidesCustomData xmlns:go="http://customooxmlschemas.google.com/" xmlns:ahyp="http://schemas.microsoft.com/office/drawing/2018/hyperlinkcolor" xmlns:p15="http://schemas.microsoft.com/office/powerpoint/2012/main" xmlns:p14="http://schemas.microsoft.com/office/powerpoint/2010/main" xmlns:com="http://schemas.openxmlformats.org/drawingml/2006/compatibility" xmlns:pvml="urn:schemas-microsoft-com:office:powerpoint" xmlns:v="urn:schemas-microsoft-com:vml" xmlns:o="urn:schemas-microsoft-com:office:office" xmlns:dgm="http://schemas.openxmlformats.org/drawingml/2006/diagram" xmlns:c="http://schemas.openxmlformats.org/drawingml/2006/chart" xmlns:mv="urn:schemas-microsoft-com:mac:vml" xmlns:mc="http://schemas.openxmlformats.org/markup-compatibility/2006" xmlns="" r:id="rId17" roundtripDataSignature="AMtx7mi1sBDdHb2XsYteFNPHBFMUQvu/sQ=="/>
     </p:ext>
   </p:extLst>
 </p:presentation>
@@ -24630,16 +24630,7 @@
                 <a:cs typeface="Franklin Gothic"/>
                 <a:sym typeface="Franklin Gothic"/>
               </a:rPr>
-              <a:t>Institute Name: Amity University </a:t>
-            </a:r>
-            <a:r>
-              <a:rPr lang="en-US" dirty="0" err="1">
-                <a:latin typeface="Franklin Gothic"/>
-                <a:ea typeface="Franklin Gothic"/>
-                <a:cs typeface="Franklin Gothic"/>
-                <a:sym typeface="Franklin Gothic"/>
-              </a:rPr>
-              <a:t>Nodia</a:t>
+              <a:t>Institute Name: Amity University Noida</a:t>
             </a:r>
             <a:endParaRPr dirty="0">
               <a:latin typeface="Franklin Gothic"/>
@@ -24755,7 +24746,7 @@
         </p:spPr>
         <p:txBody>
           <a:bodyPr spcFirstLastPara="1" wrap="square" lIns="0" tIns="0" rIns="0" bIns="0" anchor="b" anchorCtr="0">
-            <a:normAutofit fontScale="90000"/>
+            <a:normAutofit/>
           </a:bodyPr>
           <a:lstStyle/>
           <a:p>
@@ -24797,7 +24788,7 @@
         <p:spPr>
           <a:xfrm>
             <a:off x="971550" y="2289363"/>
-            <a:ext cx="6024054" cy="2877441"/>
+            <a:ext cx="5988050" cy="3390077"/>
           </a:xfrm>
           <a:prstGeom prst="rect">
             <a:avLst/>
@@ -24869,7 +24860,53 @@
             </a:pPr>
             <a:r>
               <a:rPr lang="en-US" dirty="0"/>
-              <a:t> As we all know that we waste a large amount of food everyday that is in good condition, which can be recycled or reused ,so we have developed an app using which a person can send the pictures of there waste food so that it can be given to people in need or can be used as manure. The person can simply click the photo of the food item and our volunteer will take that food and reuse or recycle that item defending upon its condition.</a:t>
+              <a:t> As we all know that we waste a large amount of food everyday that is in good condition, which can be recycled or reused.</a:t>
+            </a:r>
+          </a:p>
+          <a:p>
+            <a:pPr marL="285750" lvl="0" indent="-285750" algn="l" rtl="0">
+              <a:lnSpc>
+                <a:spcPct val="100000"/>
+              </a:lnSpc>
+              <a:spcBef>
+                <a:spcPts val="1000"/>
+              </a:spcBef>
+              <a:spcAft>
+                <a:spcPts val="0"/>
+              </a:spcAft>
+              <a:buClr>
+                <a:schemeClr val="dk1"/>
+              </a:buClr>
+              <a:buSzPts val="1600"/>
+              <a:buFont typeface="Noto Sans Symbols"/>
+              <a:buChar char="⮚"/>
+            </a:pPr>
+            <a:r>
+              <a:rPr lang="en-US" dirty="0"/>
+              <a:t>So we have developed an app using which a person can send the pictures of there waste food so that it can be given to people in need or can be used as manure. </a:t>
+            </a:r>
+          </a:p>
+          <a:p>
+            <a:pPr marL="285750" lvl="0" indent="-285750" algn="l" rtl="0">
+              <a:lnSpc>
+                <a:spcPct val="100000"/>
+              </a:lnSpc>
+              <a:spcBef>
+                <a:spcPts val="1000"/>
+              </a:spcBef>
+              <a:spcAft>
+                <a:spcPts val="0"/>
+              </a:spcAft>
+              <a:buClr>
+                <a:schemeClr val="dk1"/>
+              </a:buClr>
+              <a:buSzPts val="1600"/>
+              <a:buFont typeface="Noto Sans Symbols"/>
+              <a:buChar char="⮚"/>
+            </a:pPr>
+            <a:r>
+              <a:rPr lang="en-US" dirty="0"/>
+              <a:t>The person can simply click the photo of the food item and our volunteer will take that food and reuse or recycle that item defending upon its condition.</a:t>
             </a:r>
             <a:endParaRPr dirty="0"/>
           </a:p>
@@ -24937,80 +24974,6 @@
               <a:rPr lang="en-US"/>
               <a:t>2</a:t>
             </a:fld>
-            <a:endParaRPr/>
-          </a:p>
-        </p:txBody>
-      </p:sp>
-      <p:sp>
-        <p:nvSpPr>
-          <p:cNvPr id="220" name="Google Shape;220;p2"/>
-          <p:cNvSpPr>
-            <a:spLocks noGrp="1"/>
-          </p:cNvSpPr>
-          <p:nvPr>
-            <p:ph type="pic" idx="2"/>
-          </p:nvPr>
-        </p:nvSpPr>
-        <p:spPr>
-          <a:xfrm>
-            <a:off x="7378575" y="144261"/>
-            <a:ext cx="4689138" cy="3451543"/>
-          </a:xfrm>
-          <a:prstGeom prst="rect">
-            <a:avLst/>
-          </a:prstGeom>
-          <a:noFill/>
-          <a:ln>
-            <a:noFill/>
-          </a:ln>
-        </p:spPr>
-      </p:sp>
-      <p:sp>
-        <p:nvSpPr>
-          <p:cNvPr id="221" name="Google Shape;221;p2"/>
-          <p:cNvSpPr txBox="1"/>
-          <p:nvPr/>
-        </p:nvSpPr>
-        <p:spPr>
-          <a:xfrm>
-            <a:off x="7378575" y="2118476"/>
-            <a:ext cx="4689138" cy="923330"/>
-          </a:xfrm>
-          <a:prstGeom prst="rect">
-            <a:avLst/>
-          </a:prstGeom>
-          <a:noFill/>
-          <a:ln>
-            <a:noFill/>
-          </a:ln>
-        </p:spPr>
-        <p:txBody>
-          <a:bodyPr spcFirstLastPara="1" wrap="square" lIns="91425" tIns="45700" rIns="91425" bIns="45700" anchor="t" anchorCtr="0">
-            <a:spAutoFit/>
-          </a:bodyPr>
-          <a:lstStyle/>
-          <a:p>
-            <a:pPr marL="0" marR="0" lvl="0" indent="0" algn="ctr" rtl="0">
-              <a:spcBef>
-                <a:spcPts val="0"/>
-              </a:spcBef>
-              <a:spcAft>
-                <a:spcPts val="0"/>
-              </a:spcAft>
-              <a:buNone/>
-            </a:pPr>
-            <a:r>
-              <a:rPr lang="en-US" sz="1800">
-                <a:solidFill>
-                  <a:schemeClr val="lt2"/>
-                </a:solidFill>
-                <a:latin typeface="Franklin Gothic"/>
-                <a:ea typeface="Franklin Gothic"/>
-                <a:cs typeface="Franklin Gothic"/>
-                <a:sym typeface="Franklin Gothic"/>
-              </a:rPr>
-              <a:t>Add process flow chart or simulated image of prototype or any relevant image related to your idea</a:t>
-            </a:r>
             <a:endParaRPr/>
           </a:p>
         </p:txBody>
@@ -25242,6 +25205,27 @@
             </a:r>
           </a:p>
           <a:p>
+            <a:pPr marL="342900" indent="-342900">
+              <a:buFont typeface="+mj-lt"/>
+              <a:buAutoNum type="arabicPeriod"/>
+            </a:pPr>
+            <a:r>
+              <a:rPr lang="en-US" sz="1600" dirty="0" err="1"/>
+              <a:t>Tensorflow</a:t>
+            </a:r>
+            <a:endParaRPr lang="en-US" sz="1600" dirty="0"/>
+          </a:p>
+          <a:p>
+            <a:pPr marL="342900" indent="-342900">
+              <a:buFont typeface="+mj-lt"/>
+              <a:buAutoNum type="arabicPeriod"/>
+            </a:pPr>
+            <a:r>
+              <a:rPr lang="en-US" sz="1600" dirty="0"/>
+              <a:t>JSON</a:t>
+            </a:r>
+          </a:p>
+          <a:p>
             <a:pPr marL="0" marR="0" lvl="0" indent="0" algn="l" rtl="0">
               <a:lnSpc>
                 <a:spcPct val="100000"/>
@@ -25299,6 +25283,66 @@
           </a:p>
         </p:txBody>
       </p:sp>
+      <p:pic>
+        <p:nvPicPr>
+          <p:cNvPr id="9" name="Picture 8">
+            <a:extLst>
+              <a:ext uri="{FF2B5EF4-FFF2-40B4-BE49-F238E27FC236}">
+                <a16:creationId xmlns:a16="http://schemas.microsoft.com/office/drawing/2014/main" id="{BCAA8DFF-CD2C-4476-9070-886BBBC07A5E}"/>
+              </a:ext>
+            </a:extLst>
+          </p:cNvPr>
+          <p:cNvPicPr>
+            <a:picLocks noChangeAspect="1"/>
+          </p:cNvPicPr>
+          <p:nvPr/>
+        </p:nvPicPr>
+        <p:blipFill>
+          <a:blip r:embed="rId3"/>
+          <a:stretch>
+            <a:fillRect/>
+          </a:stretch>
+        </p:blipFill>
+        <p:spPr>
+          <a:xfrm>
+            <a:off x="7792763" y="137277"/>
+            <a:ext cx="1693038" cy="3590805"/>
+          </a:xfrm>
+          <a:prstGeom prst="rect">
+            <a:avLst/>
+          </a:prstGeom>
+        </p:spPr>
+      </p:pic>
+      <p:pic>
+        <p:nvPicPr>
+          <p:cNvPr id="11" name="Picture 10">
+            <a:extLst>
+              <a:ext uri="{FF2B5EF4-FFF2-40B4-BE49-F238E27FC236}">
+                <a16:creationId xmlns:a16="http://schemas.microsoft.com/office/drawing/2014/main" id="{28FBB364-4702-450D-89DF-EF74EFF35E59}"/>
+              </a:ext>
+            </a:extLst>
+          </p:cNvPr>
+          <p:cNvPicPr>
+            <a:picLocks noChangeAspect="1"/>
+          </p:cNvPicPr>
+          <p:nvPr/>
+        </p:nvPicPr>
+        <p:blipFill>
+          <a:blip r:embed="rId4"/>
+          <a:stretch>
+            <a:fillRect/>
+          </a:stretch>
+        </p:blipFill>
+        <p:spPr>
+          <a:xfrm>
+            <a:off x="9982951" y="137278"/>
+            <a:ext cx="1693038" cy="3590805"/>
+          </a:xfrm>
+          <a:prstGeom prst="rect">
+            <a:avLst/>
+          </a:prstGeom>
+        </p:spPr>
+      </p:pic>
     </p:spTree>
   </p:cSld>
   <p:clrMapOvr>
@@ -25349,7 +25393,7 @@
         </p:spPr>
         <p:txBody>
           <a:bodyPr spcFirstLastPara="1" wrap="square" lIns="0" tIns="0" rIns="0" bIns="0" anchor="b" anchorCtr="0">
-            <a:normAutofit fontScale="90000"/>
+            <a:normAutofit/>
           </a:bodyPr>
           <a:lstStyle/>
           <a:p>
@@ -25623,16 +25667,16 @@
               <a:rPr lang="en-US" dirty="0">
                 <a:sym typeface="Wingdings" panose="05000000000000000000" pitchFamily="2" charset="2"/>
               </a:rPr>
-              <a:t>Goal  After clicking this button you can see all the goals and challenges region-wise </a:t>
+              <a:t>Goal  After clicking this button you can see all the goals and challenges region-wise</a:t>
             </a:r>
             <a:r>
               <a:rPr lang="en-US" dirty="0">
                 <a:solidFill>
-                  <a:srgbClr val="FF0000"/>
+                  <a:schemeClr val="tx1"/>
                 </a:solidFill>
                 <a:sym typeface="Wingdings" panose="05000000000000000000" pitchFamily="2" charset="2"/>
               </a:rPr>
-              <a:t>and you can be a part of something big and contribute to betterment of the society.</a:t>
+              <a:t> and you can be a part of something big and contribute to betterment of the society.</a:t>
             </a:r>
           </a:p>
         </p:txBody>
@@ -25749,7 +25793,7 @@
         </p:nvSpPr>
         <p:spPr>
           <a:xfrm>
-            <a:off x="6248399" y="2656903"/>
+            <a:off x="6228511" y="2656903"/>
             <a:ext cx="4838701" cy="3922968"/>
           </a:xfrm>
           <a:prstGeom prst="rect">
@@ -25930,14 +25974,30 @@
               <a:buNone/>
             </a:pPr>
             <a:r>
-              <a:rPr lang="en-US" sz="1200" b="1">
+              <a:rPr lang="en-US" sz="1200" b="1" dirty="0">
                 <a:solidFill>
                   <a:srgbClr val="5D7C3F"/>
                 </a:solidFill>
               </a:rPr>
-              <a:t>Team Leader Name: Type Your Name Here</a:t>
+              <a:t>Team Leader Name: </a:t>
             </a:r>
-            <a:endParaRPr/>
+            <a:r>
+              <a:rPr lang="en-US" sz="1200" b="1" dirty="0" err="1">
+                <a:solidFill>
+                  <a:srgbClr val="5D7C3F"/>
+                </a:solidFill>
+              </a:rPr>
+              <a:t>Parth</a:t>
+            </a:r>
+            <a:r>
+              <a:rPr lang="en-US" sz="1200" b="1" dirty="0">
+                <a:solidFill>
+                  <a:srgbClr val="5D7C3F"/>
+                </a:solidFill>
+              </a:rPr>
+              <a:t> Bansal</a:t>
+            </a:r>
+            <a:endParaRPr dirty="0"/>
           </a:p>
           <a:p>
             <a:pPr marL="0" lvl="0" indent="0" algn="l" rtl="0">
@@ -25957,10 +26017,10 @@
               <a:buNone/>
             </a:pPr>
             <a:r>
-              <a:rPr lang="en-US" sz="1200"/>
-              <a:t>Branch (Btech/Mtech/PhD etc):			Stream (ECE, CSE etc):			Year (I,II,III,IV): </a:t>
+              <a:rPr lang="en-US" sz="1200" dirty="0"/>
+              <a:t>Branch: B-tech 			                               Stream :  CSE			Year : 2</a:t>
             </a:r>
-            <a:endParaRPr/>
+            <a:endParaRPr dirty="0"/>
           </a:p>
           <a:p>
             <a:pPr marL="0" lvl="0" indent="0" algn="l" rtl="0">
@@ -25979,15 +26039,27 @@
               <a:buSzPts val="1200"/>
               <a:buNone/>
             </a:pPr>
+            <a:r>
+              <a:rPr lang="en-US" sz="1200" b="1" dirty="0">
+                <a:solidFill>
+                  <a:srgbClr val="5D7C3F"/>
+                </a:solidFill>
+              </a:rPr>
+              <a:t>Team Member 1 Name: </a:t>
+            </a:r>
             <a:r>
               <a:rPr lang="en-US" sz="1200" b="1">
                 <a:solidFill>
                   <a:srgbClr val="5D7C3F"/>
                 </a:solidFill>
               </a:rPr>
-              <a:t>Team Member 1 Name: Type Your Name Here</a:t>
+              <a:t>Deepanhu</a:t>
             </a:r>
-            <a:endParaRPr/>
+            <a:endParaRPr lang="en-US" sz="1200" b="1" dirty="0">
+              <a:solidFill>
+                <a:srgbClr val="5D7C3F"/>
+              </a:solidFill>
+            </a:endParaRPr>
           </a:p>
           <a:p>
             <a:pPr marL="0" lvl="0" indent="0" algn="l" rtl="0">
@@ -26007,10 +26079,9 @@
               <a:buNone/>
             </a:pPr>
             <a:r>
-              <a:rPr lang="en-US" sz="1200"/>
-              <a:t>Branch (Btech/Mtech/PhD etc):			Stream (ECE, CSE etc):			Year (I,II,III,IV): </a:t>
+              <a:rPr lang="en-US" sz="1200" dirty="0"/>
+              <a:t>Branch: B-tech 			                               Stream :  CSE			Year : 2</a:t>
             </a:r>
-            <a:endParaRPr/>
           </a:p>
           <a:p>
             <a:pPr marL="0" lvl="0" indent="0" algn="l" rtl="0">
@@ -26030,14 +26101,13 @@
               <a:buNone/>
             </a:pPr>
             <a:r>
-              <a:rPr lang="en-US" sz="1200" b="1">
+              <a:rPr lang="en-US" sz="1200" b="1" dirty="0">
                 <a:solidFill>
                   <a:srgbClr val="5D7C3F"/>
                 </a:solidFill>
               </a:rPr>
-              <a:t>Team Member 2 Name: Type Your Name Here</a:t>
+              <a:t>Team Member 2 Name: Aditya Kuman Yadav </a:t>
             </a:r>
-            <a:endParaRPr/>
           </a:p>
           <a:p>
             <a:pPr marL="0" lvl="0" indent="0" algn="l" rtl="0">
@@ -26057,10 +26127,9 @@
               <a:buNone/>
             </a:pPr>
             <a:r>
-              <a:rPr lang="en-US" sz="1200"/>
-              <a:t>Branch (Btech/Mtech/PhD etc):			Stream (ECE, CSE etc):			Year (I,II,III,IV): </a:t>
+              <a:rPr lang="en-US" sz="1200" dirty="0"/>
+              <a:t>Branch: B-tech 			                               Stream :  CSE			Year : 2</a:t>
             </a:r>
-            <a:endParaRPr/>
           </a:p>
           <a:p>
             <a:pPr marL="0" lvl="0" indent="0" algn="l" rtl="0">
@@ -26080,114 +26149,46 @@
               <a:buNone/>
             </a:pPr>
             <a:r>
-              <a:rPr lang="en-US" sz="1200" b="1">
+              <a:rPr lang="en-US" sz="1200" b="1" dirty="0">
                 <a:solidFill>
                   <a:srgbClr val="5D7C3F"/>
                 </a:solidFill>
               </a:rPr>
-              <a:t>Team Member 3 Name: Type Your Name Here</a:t>
+              <a:t>Team Member 3 Name: </a:t>
             </a:r>
-            <a:endParaRPr/>
-          </a:p>
-          <a:p>
-            <a:pPr marL="0" lvl="0" indent="0" algn="l" rtl="0">
-              <a:lnSpc>
-                <a:spcPct val="90000"/>
-              </a:lnSpc>
-              <a:spcBef>
-                <a:spcPts val="1000"/>
-              </a:spcBef>
-              <a:spcAft>
-                <a:spcPts val="0"/>
-              </a:spcAft>
-              <a:buClr>
-                <a:schemeClr val="dk1"/>
-              </a:buClr>
-              <a:buSzPts val="1200"/>
-              <a:buNone/>
-            </a:pPr>
             <a:r>
-              <a:rPr lang="en-US" sz="1200"/>
-              <a:t>Branch (Btech/Mtech/PhD etc):			Stream (ECE, CSE etc):			Year (I,II,III,IV): </a:t>
-            </a:r>
-            <a:endParaRPr/>
-          </a:p>
-          <a:p>
-            <a:pPr marL="0" lvl="0" indent="0" algn="l" rtl="0">
-              <a:lnSpc>
-                <a:spcPct val="90000"/>
-              </a:lnSpc>
-              <a:spcBef>
-                <a:spcPts val="1000"/>
-              </a:spcBef>
-              <a:spcAft>
-                <a:spcPts val="0"/>
-              </a:spcAft>
-              <a:buClr>
-                <a:srgbClr val="5D7C3F"/>
-              </a:buClr>
-              <a:buSzPts val="1200"/>
-              <a:buNone/>
-            </a:pPr>
-            <a:r>
-              <a:rPr lang="en-US" sz="1200" b="1">
+              <a:rPr lang="en-US" sz="1200" b="1" dirty="0" err="1">
                 <a:solidFill>
                   <a:srgbClr val="5D7C3F"/>
                 </a:solidFill>
               </a:rPr>
-              <a:t>Team Member 4 Name: Type Your Name Here</a:t>
+              <a:t>Nibir</a:t>
             </a:r>
-            <a:endParaRPr/>
-          </a:p>
-          <a:p>
-            <a:pPr marL="0" lvl="0" indent="0" algn="l" rtl="0">
-              <a:lnSpc>
-                <a:spcPct val="90000"/>
-              </a:lnSpc>
-              <a:spcBef>
-                <a:spcPts val="1000"/>
-              </a:spcBef>
-              <a:spcAft>
-                <a:spcPts val="0"/>
-              </a:spcAft>
-              <a:buClr>
-                <a:schemeClr val="dk1"/>
-              </a:buClr>
-              <a:buSzPts val="1200"/>
-              <a:buNone/>
-            </a:pPr>
             <a:r>
-              <a:rPr lang="en-US" sz="1200"/>
-              <a:t>Branch (Btech/Mtech/PhD etc):			Stream (ECE, CSE etc):			Year (I,II,III,IV): </a:t>
-            </a:r>
-            <a:endParaRPr/>
-          </a:p>
-          <a:p>
-            <a:pPr marL="0" lvl="0" indent="0" algn="l" rtl="0">
-              <a:lnSpc>
-                <a:spcPct val="90000"/>
-              </a:lnSpc>
-              <a:spcBef>
-                <a:spcPts val="1000"/>
-              </a:spcBef>
-              <a:spcAft>
-                <a:spcPts val="0"/>
-              </a:spcAft>
-              <a:buClr>
-                <a:srgbClr val="5D7C3F"/>
-              </a:buClr>
-              <a:buSzPts val="1200"/>
-              <a:buNone/>
-            </a:pPr>
-            <a:r>
-              <a:rPr lang="en-US" sz="1200" b="1">
+              <a:rPr lang="en-US" sz="1200" b="1" dirty="0">
                 <a:solidFill>
                   <a:srgbClr val="5D7C3F"/>
                 </a:solidFill>
               </a:rPr>
-              <a:t>Team Member 5 Name: Type Your Name Here</a:t>
+              <a:t> </a:t>
             </a:r>
-            <a:endParaRPr/>
+            <a:r>
+              <a:rPr lang="en-US" sz="1200" b="1" dirty="0" err="1">
+                <a:solidFill>
+                  <a:srgbClr val="5D7C3F"/>
+                </a:solidFill>
+              </a:rPr>
+              <a:t>Maram</a:t>
+            </a:r>
+            <a:r>
+              <a:rPr lang="en-US" sz="1200" b="1" dirty="0">
+                <a:solidFill>
+                  <a:srgbClr val="5D7C3F"/>
+                </a:solidFill>
+              </a:rPr>
+              <a:t> Deka</a:t>
+            </a:r>
+            <a:endParaRPr lang="en-US" dirty="0"/>
           </a:p>
           <a:p>
             <a:pPr marL="0" lvl="0" indent="0" algn="l" rtl="0">
@@ -26207,10 +26208,9 @@
               <a:buNone/>
             </a:pPr>
             <a:r>
-              <a:rPr lang="en-US" sz="1200"/>
-              <a:t>Branch (Btech/Mtech/PhD etc):			Stream (ECE, CSE etc):			Year (I,II,III,IV): </a:t>
+              <a:rPr lang="en-US" sz="1200" dirty="0"/>
+              <a:t>Branch: B-tech 			                               Stream :  CSE 		                            Year : 2</a:t>
             </a:r>
-            <a:endParaRPr/>
           </a:p>
           <a:p>
             <a:pPr marL="0" lvl="0" indent="0" algn="l" rtl="0">
@@ -26224,20 +26224,118 @@
                 <a:spcPts val="0"/>
               </a:spcAft>
               <a:buClr>
-                <a:srgbClr val="804160"/>
+                <a:srgbClr val="5D7C3F"/>
               </a:buClr>
               <a:buSzPts val="1200"/>
               <a:buNone/>
             </a:pPr>
             <a:r>
-              <a:rPr lang="en-US" sz="1200" b="1">
+              <a:rPr lang="en-US" sz="1200" b="1" dirty="0">
+                <a:solidFill>
+                  <a:srgbClr val="5D7C3F"/>
+                </a:solidFill>
+              </a:rPr>
+              <a:t>Team Member 4 Name:  Neha Goyal</a:t>
+            </a:r>
+            <a:endParaRPr dirty="0"/>
+          </a:p>
+          <a:p>
+            <a:pPr marL="0" lvl="0" indent="0" algn="l" rtl="0">
+              <a:lnSpc>
+                <a:spcPct val="90000"/>
+              </a:lnSpc>
+              <a:spcBef>
+                <a:spcPts val="1000"/>
+              </a:spcBef>
+              <a:spcAft>
+                <a:spcPts val="0"/>
+              </a:spcAft>
+              <a:buClr>
+                <a:schemeClr val="dk1"/>
+              </a:buClr>
+              <a:buSzPts val="1200"/>
+              <a:buNone/>
+            </a:pPr>
+            <a:r>
+              <a:rPr lang="en-US" sz="1200" dirty="0"/>
+              <a:t>Branch: B-tech 			                               Stream :  CSE 		                             Year : 2</a:t>
+            </a:r>
+          </a:p>
+          <a:p>
+            <a:pPr marL="0" lvl="0" indent="0" algn="l" rtl="0">
+              <a:lnSpc>
+                <a:spcPct val="90000"/>
+              </a:lnSpc>
+              <a:spcBef>
+                <a:spcPts val="1000"/>
+              </a:spcBef>
+              <a:spcAft>
+                <a:spcPts val="0"/>
+              </a:spcAft>
+              <a:buClr>
+                <a:srgbClr val="5D7C3F"/>
+              </a:buClr>
+              <a:buSzPts val="1200"/>
+              <a:buNone/>
+            </a:pPr>
+            <a:r>
+              <a:rPr lang="en-US" sz="1200" b="1" dirty="0">
+                <a:solidFill>
+                  <a:srgbClr val="5D7C3F"/>
+                </a:solidFill>
+              </a:rPr>
+              <a:t>Team Member 5 Name: Aditya Rajput</a:t>
+            </a:r>
+            <a:endParaRPr dirty="0"/>
+          </a:p>
+          <a:p>
+            <a:pPr marL="0" lvl="0" indent="0" algn="l" rtl="0">
+              <a:lnSpc>
+                <a:spcPct val="90000"/>
+              </a:lnSpc>
+              <a:spcBef>
+                <a:spcPts val="1000"/>
+              </a:spcBef>
+              <a:spcAft>
+                <a:spcPts val="0"/>
+              </a:spcAft>
+              <a:buClr>
+                <a:schemeClr val="dk1"/>
+              </a:buClr>
+              <a:buSzPts val="1200"/>
+              <a:buNone/>
+            </a:pPr>
+            <a:r>
+              <a:rPr lang="en-US" sz="1200" dirty="0"/>
+              <a:t>Branch: B-tech 			                               Stream :  CSE 		                              Year : 2</a:t>
+            </a:r>
+          </a:p>
+          <a:p>
+            <a:pPr marL="0" lvl="0" indent="0" algn="l" rtl="0">
+              <a:lnSpc>
+                <a:spcPct val="90000"/>
+              </a:lnSpc>
+              <a:spcBef>
+                <a:spcPts val="1000"/>
+              </a:spcBef>
+              <a:spcAft>
+                <a:spcPts val="0"/>
+              </a:spcAft>
+              <a:buClr>
+                <a:srgbClr val="804160"/>
+              </a:buClr>
+              <a:buSzPts val="1200"/>
+              <a:buNone/>
+            </a:pPr>
+            <a:r>
+              <a:rPr lang="en-US" sz="1200" b="1" dirty="0">
                 <a:solidFill>
                   <a:srgbClr val="804160"/>
                 </a:solidFill>
               </a:rPr>
               <a:t>Team Mentor 1 Name: Type Your Name Here</a:t>
             </a:r>
-            <a:endParaRPr/>
+            <a:endParaRPr dirty="0"/>
           </a:p>
           <a:p>
             <a:pPr marL="0" lvl="0" indent="0" algn="l" rtl="0">
@@ -26257,10 +26355,18 @@
               <a:buNone/>
             </a:pPr>
             <a:r>
-              <a:rPr lang="en-US" sz="1200"/>
-              <a:t>Category (Academic/Industry): 			Expertise (AI/ML/Blockchain etc): 		Domain Experience (in years):    </a:t>
+              <a:rPr lang="en-US" sz="1200" dirty="0"/>
+              <a:t>Category (Academic/Industry): 			Expertise (AI/ML/Blockchain </a:t>
             </a:r>
-            <a:endParaRPr/>
+            <a:r>
+              <a:rPr lang="en-US" sz="1200" dirty="0" err="1"/>
+              <a:t>etc</a:t>
+            </a:r>
+            <a:r>
+              <a:rPr lang="en-US" sz="1200" dirty="0"/>
+              <a:t>): 		Domain Experience (in years):    </a:t>
+            </a:r>
+            <a:endParaRPr dirty="0"/>
           </a:p>
           <a:p>
             <a:pPr marL="0" lvl="0" indent="0" algn="l" rtl="0">
@@ -26280,14 +26386,14 @@
               <a:buNone/>
             </a:pPr>
             <a:r>
-              <a:rPr lang="en-US" sz="1200" b="1">
+              <a:rPr lang="en-US" sz="1200" b="1" dirty="0">
                 <a:solidFill>
                   <a:srgbClr val="804160"/>
                 </a:solidFill>
               </a:rPr>
               <a:t>Team Mentor 2 Name: Type Your Name Here</a:t>
             </a:r>
-            <a:endParaRPr/>
+            <a:endParaRPr dirty="0"/>
           </a:p>
           <a:p>
             <a:pPr marL="0" lvl="0" indent="0" algn="l" rtl="0">
@@ -26307,10 +26413,18 @@
               <a:buNone/>
             </a:pPr>
             <a:r>
-              <a:rPr lang="en-US" sz="1200"/>
-              <a:t>Category (Academic/Industry):		 	Expertise (AI/ML/Blockchain etc): 		Domain Experience (in years):    </a:t>
+              <a:rPr lang="en-US" sz="1200" dirty="0"/>
+              <a:t>Category (Academic/Industry):		 	Expertise (AI/ML/Blockchain </a:t>
             </a:r>
-            <a:endParaRPr/>
+            <a:r>
+              <a:rPr lang="en-US" sz="1200" dirty="0" err="1"/>
+              <a:t>etc</a:t>
+            </a:r>
+            <a:r>
+              <a:rPr lang="en-US" sz="1200" dirty="0"/>
+              <a:t>): 		Domain Experience (in years):    </a:t>
+            </a:r>
+            <a:endParaRPr dirty="0"/>
           </a:p>
         </p:txBody>
       </p:sp>

--- a/extd/Idea Presentation Format - SIH 2022  - College.pptx
+++ b/extd/Idea Presentation Format - SIH 2022  - College.pptx
@@ -5,35 +5,34 @@
     <p:sldMasterId id="2147483648" r:id="rId1"/>
   </p:sldMasterIdLst>
   <p:notesMasterIdLst>
-    <p:notesMasterId r:id="rId7"/>
+    <p:notesMasterId r:id="rId6"/>
   </p:notesMasterIdLst>
   <p:sldIdLst>
     <p:sldId id="256" r:id="rId2"/>
     <p:sldId id="257" r:id="rId3"/>
     <p:sldId id="258" r:id="rId4"/>
     <p:sldId id="259" r:id="rId5"/>
-    <p:sldId id="260" r:id="rId6"/>
   </p:sldIdLst>
   <p:sldSz cx="12192000" cy="6858000"/>
   <p:notesSz cx="6858000" cy="9144000"/>
   <p:embeddedFontLst>
     <p:embeddedFont>
       <p:font typeface="Calibri" panose="020F0502020204030204" pitchFamily="34" charset="0"/>
-      <p:regular r:id="rId8"/>
-      <p:bold r:id="rId9"/>
-      <p:italic r:id="rId10"/>
-      <p:boldItalic r:id="rId11"/>
+      <p:regular r:id="rId7"/>
+      <p:bold r:id="rId8"/>
+      <p:italic r:id="rId9"/>
+      <p:boldItalic r:id="rId10"/>
     </p:embeddedFont>
     <p:embeddedFont>
       <p:font typeface="Franklin Gothic" panose="020B0604020202020204" charset="0"/>
-      <p:bold r:id="rId12"/>
+      <p:bold r:id="rId11"/>
     </p:embeddedFont>
     <p:embeddedFont>
       <p:font typeface="Libre Franklin" pitchFamily="2" charset="0"/>
-      <p:regular r:id="rId13"/>
-      <p:bold r:id="rId14"/>
-      <p:italic r:id="rId15"/>
-      <p:boldItalic r:id="rId16"/>
+      <p:regular r:id="rId12"/>
+      <p:bold r:id="rId13"/>
+      <p:italic r:id="rId14"/>
+      <p:boldItalic r:id="rId15"/>
     </p:embeddedFont>
   </p:embeddedFontLst>
   <p:defaultTextStyle>
@@ -270,7 +269,7 @@
       <p15:sldGuideLst xmlns:p15="http://schemas.microsoft.com/office/powerpoint/2012/main"/>
     </p:ext>
     <p:ext uri="http://customooxmlschemas.google.com/">
-      <go:slidesCustomData xmlns:go="http://customooxmlschemas.google.com/" xmlns:ahyp="http://schemas.microsoft.com/office/drawing/2018/hyperlinkcolor" xmlns:p15="http://schemas.microsoft.com/office/powerpoint/2012/main" xmlns:p14="http://schemas.microsoft.com/office/powerpoint/2010/main" xmlns:com="http://schemas.openxmlformats.org/drawingml/2006/compatibility" xmlns:pvml="urn:schemas-microsoft-com:office:powerpoint" xmlns:v="urn:schemas-microsoft-com:vml" xmlns:o="urn:schemas-microsoft-com:office:office" xmlns:dgm="http://schemas.openxmlformats.org/drawingml/2006/diagram" xmlns:c="http://schemas.openxmlformats.org/drawingml/2006/chart" xmlns:mv="urn:schemas-microsoft-com:mac:vml" xmlns:mc="http://schemas.openxmlformats.org/markup-compatibility/2006" xmlns="" r:id="rId17" roundtripDataSignature="AMtx7mi1sBDdHb2XsYteFNPHBFMUQvu/sQ=="/>
+      <go:slidesCustomData xmlns="" xmlns:mc="http://schemas.openxmlformats.org/markup-compatibility/2006" xmlns:mv="urn:schemas-microsoft-com:mac:vml" xmlns:c="http://schemas.openxmlformats.org/drawingml/2006/chart" xmlns:dgm="http://schemas.openxmlformats.org/drawingml/2006/diagram" xmlns:o="urn:schemas-microsoft-com:office:office" xmlns:v="urn:schemas-microsoft-com:vml" xmlns:pvml="urn:schemas-microsoft-com:office:powerpoint" xmlns:com="http://schemas.openxmlformats.org/drawingml/2006/compatibility" xmlns:p14="http://schemas.microsoft.com/office/powerpoint/2010/main" xmlns:p15="http://schemas.microsoft.com/office/powerpoint/2012/main" xmlns:ahyp="http://schemas.microsoft.com/office/drawing/2018/hyperlinkcolor" xmlns:go="http://customooxmlschemas.google.com/" r:id="rId17" roundtripDataSignature="AMtx7mi1sBDdHb2XsYteFNPHBFMUQvu/sQ=="/>
     </p:ext>
   </p:extLst>
 </p:presentation>
@@ -1839,110 +1838,6 @@
       <p:sp>
         <p:nvSpPr>
           <p:cNvPr id="235" name="Google Shape;235;p4:notes"/>
-          <p:cNvSpPr>
-            <a:spLocks noGrp="1" noRot="1" noChangeAspect="1"/>
-          </p:cNvSpPr>
-          <p:nvPr>
-            <p:ph type="sldImg" idx="2"/>
-          </p:nvPr>
-        </p:nvSpPr>
-        <p:spPr>
-          <a:xfrm>
-            <a:off x="685800" y="1143000"/>
-            <a:ext cx="5486400" cy="3086100"/>
-          </a:xfrm>
-          <a:custGeom>
-            <a:avLst/>
-            <a:gdLst/>
-            <a:ahLst/>
-            <a:cxnLst/>
-            <a:rect l="l" t="t" r="r" b="b"/>
-            <a:pathLst>
-              <a:path w="120000" h="120000" extrusionOk="0">
-                <a:moveTo>
-                  <a:pt x="0" y="0"/>
-                </a:moveTo>
-                <a:lnTo>
-                  <a:pt x="120000" y="0"/>
-                </a:lnTo>
-                <a:lnTo>
-                  <a:pt x="120000" y="120000"/>
-                </a:lnTo>
-                <a:lnTo>
-                  <a:pt x="0" y="120000"/>
-                </a:lnTo>
-                <a:close/>
-              </a:path>
-            </a:pathLst>
-          </a:custGeom>
-        </p:spPr>
-      </p:sp>
-    </p:spTree>
-  </p:cSld>
-  <p:clrMapOvr>
-    <a:masterClrMapping/>
-  </p:clrMapOvr>
-</p:notes>
-</file>
-
-<file path=ppt/notesSlides/notesSlide5.xml><?xml version="1.0" encoding="utf-8"?>
-<p:notes xmlns:a="http://schemas.openxmlformats.org/drawingml/2006/main" xmlns:r="http://schemas.openxmlformats.org/officeDocument/2006/relationships" xmlns:p="http://schemas.openxmlformats.org/presentationml/2006/main" showMasterSp="0" showMasterPhAnim="0">
-  <p:cSld>
-    <p:spTree>
-      <p:nvGrpSpPr>
-        <p:cNvPr id="1" name="Shape 239"/>
-        <p:cNvGrpSpPr/>
-        <p:nvPr/>
-      </p:nvGrpSpPr>
-      <p:grpSpPr>
-        <a:xfrm>
-          <a:off x="0" y="0"/>
-          <a:ext cx="0" cy="0"/>
-          <a:chOff x="0" y="0"/>
-          <a:chExt cx="0" cy="0"/>
-        </a:xfrm>
-      </p:grpSpPr>
-      <p:sp>
-        <p:nvSpPr>
-          <p:cNvPr id="240" name="Google Shape;240;p5:notes"/>
-          <p:cNvSpPr txBox="1">
-            <a:spLocks noGrp="1"/>
-          </p:cNvSpPr>
-          <p:nvPr>
-            <p:ph type="body" idx="1"/>
-          </p:nvPr>
-        </p:nvSpPr>
-        <p:spPr>
-          <a:xfrm>
-            <a:off x="685800" y="4400550"/>
-            <a:ext cx="5486400" cy="3600450"/>
-          </a:xfrm>
-          <a:prstGeom prst="rect">
-            <a:avLst/>
-          </a:prstGeom>
-        </p:spPr>
-        <p:txBody>
-          <a:bodyPr spcFirstLastPara="1" wrap="square" lIns="91425" tIns="45700" rIns="91425" bIns="45700" anchor="t" anchorCtr="0">
-            <a:noAutofit/>
-          </a:bodyPr>
-          <a:lstStyle/>
-          <a:p>
-            <a:pPr marL="0" lvl="0" indent="0" algn="l" rtl="0">
-              <a:spcBef>
-                <a:spcPts val="0"/>
-              </a:spcBef>
-              <a:spcAft>
-                <a:spcPts val="0"/>
-              </a:spcAft>
-              <a:buNone/>
-            </a:pPr>
-            <a:endParaRPr/>
-          </a:p>
-        </p:txBody>
-      </p:sp>
-      <p:sp>
-        <p:nvSpPr>
-          <p:cNvPr id="241" name="Google Shape;241;p5:notes"/>
           <p:cNvSpPr>
             <a:spLocks noGrp="1" noRot="1" noChangeAspect="1"/>
           </p:cNvSpPr>
@@ -24434,9 +24329,18 @@
                 <a:cs typeface="Franklin Gothic"/>
                 <a:sym typeface="Franklin Gothic"/>
               </a:rPr>
-              <a:t>PS Code: SG867</a:t>
+              <a:t>PS Code: </a:t>
             </a:r>
-            <a:endParaRPr dirty="0"/>
+            <a:r>
+              <a:rPr lang="en-US" dirty="0">
+                <a:latin typeface="montserratregular"/>
+                <a:sym typeface="Franklin Gothic"/>
+              </a:rPr>
+              <a:t>SG867</a:t>
+            </a:r>
+            <a:endParaRPr dirty="0">
+              <a:latin typeface="montserratregular"/>
+            </a:endParaRPr>
           </a:p>
           <a:p>
             <a:pPr marL="0" lvl="0" indent="0" algn="l" rtl="0">
@@ -24522,9 +24426,18 @@
                 <a:cs typeface="Franklin Gothic"/>
                 <a:sym typeface="Franklin Gothic"/>
               </a:rPr>
-              <a:t>Team Name: Food{Hacker}</a:t>
+              <a:t>Team Name: </a:t>
             </a:r>
-            <a:endParaRPr dirty="0"/>
+            <a:r>
+              <a:rPr lang="en-US" dirty="0">
+                <a:latin typeface="montserratregular"/>
+                <a:sym typeface="Franklin Gothic"/>
+              </a:rPr>
+              <a:t>Food{Hacker}</a:t>
+            </a:r>
+            <a:endParaRPr dirty="0">
+              <a:latin typeface="montserratregular"/>
+            </a:endParaRPr>
           </a:p>
           <a:p>
             <a:pPr marL="0" lvl="0" indent="0" algn="l" rtl="0">
@@ -24558,9 +24471,18 @@
                 <a:cs typeface="Franklin Gothic"/>
                 <a:sym typeface="Franklin Gothic"/>
               </a:rPr>
-              <a:t>Team Leader Name: Parth Bansal</a:t>
+              <a:t>Team Leader Name: </a:t>
             </a:r>
-            <a:endParaRPr dirty="0"/>
+            <a:r>
+              <a:rPr lang="en-US" dirty="0">
+                <a:latin typeface="montserratregular"/>
+                <a:sym typeface="Franklin Gothic"/>
+              </a:rPr>
+              <a:t>Parth Bansal</a:t>
+            </a:r>
+            <a:endParaRPr dirty="0">
+              <a:latin typeface="montserratregular"/>
+            </a:endParaRPr>
           </a:p>
           <a:p>
             <a:pPr marL="0" lvl="0" indent="0" algn="l" rtl="0">
@@ -24594,9 +24516,18 @@
                 <a:cs typeface="Franklin Gothic"/>
                 <a:sym typeface="Franklin Gothic"/>
               </a:rPr>
-              <a:t>Institute Code (AISHE): U-0497</a:t>
+              <a:t>Institute Code (AISHE): </a:t>
             </a:r>
-            <a:endParaRPr dirty="0"/>
+            <a:r>
+              <a:rPr lang="en-US" dirty="0">
+                <a:latin typeface="montserratregular"/>
+                <a:sym typeface="Franklin Gothic"/>
+              </a:rPr>
+              <a:t>U-0497</a:t>
+            </a:r>
+            <a:endParaRPr dirty="0">
+              <a:latin typeface="montserratregular"/>
+            </a:endParaRPr>
           </a:p>
           <a:p>
             <a:pPr marL="0" lvl="0" indent="0" algn="l" rtl="0">
@@ -24630,12 +24561,17 @@
                 <a:cs typeface="Franklin Gothic"/>
                 <a:sym typeface="Franklin Gothic"/>
               </a:rPr>
-              <a:t>Institute Name: Amity University Noida</a:t>
+              <a:t>Institute Name: </a:t>
+            </a:r>
+            <a:r>
+              <a:rPr lang="en-US" dirty="0">
+                <a:latin typeface="montserratregular"/>
+                <a:sym typeface="Franklin Gothic"/>
+              </a:rPr>
+              <a:t>Amity University Noida</a:t>
             </a:r>
             <a:endParaRPr dirty="0">
-              <a:latin typeface="Franklin Gothic"/>
-              <a:ea typeface="Franklin Gothic"/>
-              <a:cs typeface="Franklin Gothic"/>
+              <a:latin typeface="montserratregular"/>
               <a:sym typeface="Franklin Gothic"/>
             </a:endParaRPr>
           </a:p>
@@ -24663,9 +24599,18 @@
                 <a:cs typeface="Franklin Gothic"/>
                 <a:sym typeface="Franklin Gothic"/>
               </a:rPr>
-              <a:t>Theme Name: Miscellaneous</a:t>
+              <a:t>Theme Name: </a:t>
             </a:r>
-            <a:endParaRPr dirty="0"/>
+            <a:r>
+              <a:rPr lang="en-US" dirty="0">
+                <a:latin typeface="montserratregular"/>
+                <a:sym typeface="Franklin Gothic"/>
+              </a:rPr>
+              <a:t>Miscellaneous</a:t>
+            </a:r>
+            <a:endParaRPr dirty="0">
+              <a:latin typeface="montserratregular"/>
+            </a:endParaRPr>
           </a:p>
         </p:txBody>
       </p:sp>
@@ -25569,37 +25514,20 @@
               <a:buChar char="⮚"/>
             </a:pPr>
             <a:r>
-              <a:rPr lang="en-US" dirty="0" err="1">
-                <a:sym typeface="Wingdings" panose="05000000000000000000" pitchFamily="2" charset="2"/>
-              </a:rPr>
-              <a:t>Dropzone</a:t>
-            </a:r>
-            <a:r>
               <a:rPr lang="en-US" dirty="0">
                 <a:sym typeface="Wingdings" panose="05000000000000000000" pitchFamily="2" charset="2"/>
               </a:rPr>
-              <a:t> </a:t>
+              <a:t>Drop Zone </a:t>
             </a:r>
             <a:r>
               <a:rPr lang="en-US" dirty="0"/>
-              <a:t>When you click this button, a map will open and all the closest </a:t>
+              <a:t>When you click this button, a map will open and all the closest drop Zones from your location can be viewed. You can deliver the leftover food items to the nearest </a:t>
             </a:r>
             <a:r>
-              <a:rPr lang="en-US" dirty="0" err="1"/>
-              <a:t>dropzones</a:t>
+              <a:rPr lang="en-US"/>
+              <a:t>drop zone.</a:t>
             </a:r>
-            <a:r>
-              <a:rPr lang="en-US" dirty="0"/>
-              <a:t> from your location can be viewed. You can deliver the leftover food items to the nearest </a:t>
-            </a:r>
-            <a:r>
-              <a:rPr lang="en-US" dirty="0" err="1"/>
-              <a:t>dropzone</a:t>
-            </a:r>
-            <a:r>
-              <a:rPr lang="en-US" dirty="0"/>
-              <a:t>.</a:t>
-            </a:r>
+            <a:endParaRPr lang="en-US" dirty="0"/>
           </a:p>
           <a:p>
             <a:pPr marL="285750" lvl="0" indent="-285750" algn="l" rtl="0">
@@ -25676,7 +25604,7 @@
                 </a:solidFill>
                 <a:sym typeface="Wingdings" panose="05000000000000000000" pitchFamily="2" charset="2"/>
               </a:rPr>
-              <a:t> and you can be a part of something big and contribute to betterment of the society.</a:t>
+              <a:t> and you can be a part of something big and contribute to the betterment of society.</a:t>
             </a:r>
           </a:p>
         </p:txBody>
@@ -25834,7 +25762,7 @@
               <a:buChar char="⮚"/>
             </a:pPr>
             <a:r>
-              <a:rPr lang="en-US" sz="1600" b="0" i="0">
+              <a:rPr lang="en-US" sz="1600" b="0" i="0" dirty="0">
                 <a:solidFill>
                   <a:schemeClr val="dk1"/>
                 </a:solidFill>
@@ -25843,9 +25771,152 @@
                 <a:cs typeface="Libre Franklin"/>
                 <a:sym typeface="Libre Franklin"/>
               </a:rPr>
-              <a:t>  </a:t>
+              <a:t>User-friendly GUI </a:t>
             </a:r>
-            <a:endParaRPr/>
+            <a:br>
+              <a:rPr lang="en-US" sz="1600" b="0" i="0" dirty="0">
+                <a:solidFill>
+                  <a:schemeClr val="dk1"/>
+                </a:solidFill>
+                <a:latin typeface="Libre Franklin"/>
+                <a:ea typeface="Libre Franklin"/>
+                <a:cs typeface="Libre Franklin"/>
+                <a:sym typeface="Libre Franklin"/>
+              </a:rPr>
+            </a:br>
+            <a:r>
+              <a:rPr lang="en-US" sz="1600" b="0" i="0" dirty="0">
+                <a:solidFill>
+                  <a:schemeClr val="dk1"/>
+                </a:solidFill>
+                <a:latin typeface="Libre Franklin"/>
+                <a:ea typeface="Libre Franklin"/>
+                <a:cs typeface="Libre Franklin"/>
+                <a:sym typeface="Libre Franklin"/>
+              </a:rPr>
+              <a:t>if the </a:t>
+            </a:r>
+            <a:r>
+              <a:rPr lang="en-US" sz="1600" dirty="0">
+                <a:solidFill>
+                  <a:schemeClr val="dk1"/>
+                </a:solidFill>
+                <a:latin typeface="Libre Franklin"/>
+                <a:ea typeface="Libre Franklin"/>
+                <a:cs typeface="Libre Franklin"/>
+                <a:sym typeface="Libre Franklin"/>
+              </a:rPr>
+              <a:t>GUI</a:t>
+            </a:r>
+            <a:r>
+              <a:rPr lang="en-US" sz="1600" b="0" i="0" dirty="0">
+                <a:solidFill>
+                  <a:schemeClr val="dk1"/>
+                </a:solidFill>
+                <a:latin typeface="Libre Franklin"/>
+                <a:ea typeface="Libre Franklin"/>
+                <a:cs typeface="Libre Franklin"/>
+                <a:sym typeface="Libre Franklin"/>
+              </a:rPr>
+              <a:t> is easy to use then people will be more willing to use the app</a:t>
+            </a:r>
+          </a:p>
+          <a:p>
+            <a:pPr marL="285750" marR="0" lvl="0" indent="-285750" algn="l" rtl="0">
+              <a:lnSpc>
+                <a:spcPct val="90000"/>
+              </a:lnSpc>
+              <a:spcBef>
+                <a:spcPts val="0"/>
+              </a:spcBef>
+              <a:spcAft>
+                <a:spcPts val="0"/>
+              </a:spcAft>
+              <a:buClr>
+                <a:schemeClr val="dk1"/>
+              </a:buClr>
+              <a:buSzPts val="1600"/>
+              <a:buFont typeface="Noto Sans Symbols"/>
+              <a:buChar char="⮚"/>
+            </a:pPr>
+            <a:r>
+              <a:rPr lang="en-US" sz="1600" dirty="0">
+                <a:solidFill>
+                  <a:schemeClr val="dk1"/>
+                </a:solidFill>
+                <a:latin typeface="Libre Franklin"/>
+                <a:sym typeface="Libre Franklin"/>
+              </a:rPr>
+              <a:t>Density of volunteers in a given area </a:t>
+            </a:r>
+            <a:br>
+              <a:rPr lang="en-US" sz="1600" dirty="0">
+                <a:solidFill>
+                  <a:schemeClr val="dk1"/>
+                </a:solidFill>
+                <a:latin typeface="Libre Franklin"/>
+                <a:sym typeface="Libre Franklin"/>
+              </a:rPr>
+            </a:br>
+            <a:r>
+              <a:rPr lang="en-US" sz="1600" dirty="0">
+                <a:solidFill>
+                  <a:schemeClr val="dk1"/>
+                </a:solidFill>
+                <a:latin typeface="Libre Franklin"/>
+                <a:sym typeface="Libre Franklin"/>
+              </a:rPr>
+              <a:t>if the number of volunteers in an area are low then users’ request will not be fulfilled, and user engagement will go down</a:t>
+            </a:r>
+          </a:p>
+          <a:p>
+            <a:pPr marL="285750" marR="0" lvl="0" indent="-285750" algn="l" rtl="0">
+              <a:lnSpc>
+                <a:spcPct val="90000"/>
+              </a:lnSpc>
+              <a:spcBef>
+                <a:spcPts val="0"/>
+              </a:spcBef>
+              <a:spcAft>
+                <a:spcPts val="0"/>
+              </a:spcAft>
+              <a:buClr>
+                <a:schemeClr val="dk1"/>
+              </a:buClr>
+              <a:buSzPts val="1600"/>
+              <a:buFont typeface="Noto Sans Symbols"/>
+              <a:buChar char="⮚"/>
+            </a:pPr>
+            <a:r>
+              <a:rPr lang="en-US" sz="1600" dirty="0">
+                <a:solidFill>
+                  <a:schemeClr val="dk1"/>
+                </a:solidFill>
+                <a:latin typeface="Libre Franklin"/>
+                <a:sym typeface="Libre Franklin"/>
+              </a:rPr>
+              <a:t>Social identity of a person</a:t>
+            </a:r>
+            <a:br>
+              <a:rPr lang="en-US" sz="1600" dirty="0">
+                <a:solidFill>
+                  <a:schemeClr val="dk1"/>
+                </a:solidFill>
+                <a:latin typeface="Libre Franklin"/>
+                <a:sym typeface="Libre Franklin"/>
+              </a:rPr>
+            </a:br>
+            <a:r>
+              <a:rPr lang="en-US" sz="1600" dirty="0">
+                <a:solidFill>
+                  <a:schemeClr val="dk1"/>
+                </a:solidFill>
+                <a:latin typeface="Libre Franklin"/>
+                <a:sym typeface="Libre Franklin"/>
+              </a:rPr>
+              <a:t>if users have a large social status, then  they will promote the app more leading to an increase in the user base for the app</a:t>
+            </a:r>
+            <a:endParaRPr dirty="0"/>
           </a:p>
         </p:txBody>
       </p:sp>
@@ -26048,7 +26119,7 @@
               <a:t>Team Member 1 Name: </a:t>
             </a:r>
             <a:r>
-              <a:rPr lang="en-US" sz="1200" b="1">
+              <a:rPr lang="en-US" sz="1200" b="1" dirty="0" err="1">
                 <a:solidFill>
                   <a:srgbClr val="5D7C3F"/>
                 </a:solidFill>
@@ -26309,522 +26380,6 @@
               <a:rPr lang="en-US" sz="1200" dirty="0"/>
               <a:t>Branch: B-tech 			                               Stream :  CSE 		                              Year : 2</a:t>
             </a:r>
-          </a:p>
-          <a:p>
-            <a:pPr marL="0" lvl="0" indent="0" algn="l" rtl="0">
-              <a:lnSpc>
-                <a:spcPct val="90000"/>
-              </a:lnSpc>
-              <a:spcBef>
-                <a:spcPts val="1000"/>
-              </a:spcBef>
-              <a:spcAft>
-                <a:spcPts val="0"/>
-              </a:spcAft>
-              <a:buClr>
-                <a:srgbClr val="804160"/>
-              </a:buClr>
-              <a:buSzPts val="1200"/>
-              <a:buNone/>
-            </a:pPr>
-            <a:r>
-              <a:rPr lang="en-US" sz="1200" b="1" dirty="0">
-                <a:solidFill>
-                  <a:srgbClr val="804160"/>
-                </a:solidFill>
-              </a:rPr>
-              <a:t>Team Mentor 1 Name: Type Your Name Here</a:t>
-            </a:r>
-            <a:endParaRPr dirty="0"/>
-          </a:p>
-          <a:p>
-            <a:pPr marL="0" lvl="0" indent="0" algn="l" rtl="0">
-              <a:lnSpc>
-                <a:spcPct val="90000"/>
-              </a:lnSpc>
-              <a:spcBef>
-                <a:spcPts val="1000"/>
-              </a:spcBef>
-              <a:spcAft>
-                <a:spcPts val="0"/>
-              </a:spcAft>
-              <a:buClr>
-                <a:schemeClr val="dk1"/>
-              </a:buClr>
-              <a:buSzPts val="1200"/>
-              <a:buNone/>
-            </a:pPr>
-            <a:r>
-              <a:rPr lang="en-US" sz="1200" dirty="0"/>
-              <a:t>Category (Academic/Industry): 			Expertise (AI/ML/Blockchain </a:t>
-            </a:r>
-            <a:r>
-              <a:rPr lang="en-US" sz="1200" dirty="0" err="1"/>
-              <a:t>etc</a:t>
-            </a:r>
-            <a:r>
-              <a:rPr lang="en-US" sz="1200" dirty="0"/>
-              <a:t>): 		Domain Experience (in years):    </a:t>
-            </a:r>
-            <a:endParaRPr dirty="0"/>
-          </a:p>
-          <a:p>
-            <a:pPr marL="0" lvl="0" indent="0" algn="l" rtl="0">
-              <a:lnSpc>
-                <a:spcPct val="90000"/>
-              </a:lnSpc>
-              <a:spcBef>
-                <a:spcPts val="1000"/>
-              </a:spcBef>
-              <a:spcAft>
-                <a:spcPts val="0"/>
-              </a:spcAft>
-              <a:buClr>
-                <a:srgbClr val="804160"/>
-              </a:buClr>
-              <a:buSzPts val="1200"/>
-              <a:buNone/>
-            </a:pPr>
-            <a:r>
-              <a:rPr lang="en-US" sz="1200" b="1" dirty="0">
-                <a:solidFill>
-                  <a:srgbClr val="804160"/>
-                </a:solidFill>
-              </a:rPr>
-              <a:t>Team Mentor 2 Name: Type Your Name Here</a:t>
-            </a:r>
-            <a:endParaRPr dirty="0"/>
-          </a:p>
-          <a:p>
-            <a:pPr marL="0" lvl="0" indent="0" algn="l" rtl="0">
-              <a:lnSpc>
-                <a:spcPct val="90000"/>
-              </a:lnSpc>
-              <a:spcBef>
-                <a:spcPts val="1000"/>
-              </a:spcBef>
-              <a:spcAft>
-                <a:spcPts val="0"/>
-              </a:spcAft>
-              <a:buClr>
-                <a:schemeClr val="dk1"/>
-              </a:buClr>
-              <a:buSzPts val="1200"/>
-              <a:buNone/>
-            </a:pPr>
-            <a:r>
-              <a:rPr lang="en-US" sz="1200" dirty="0"/>
-              <a:t>Category (Academic/Industry):		 	Expertise (AI/ML/Blockchain </a:t>
-            </a:r>
-            <a:r>
-              <a:rPr lang="en-US" sz="1200" dirty="0" err="1"/>
-              <a:t>etc</a:t>
-            </a:r>
-            <a:r>
-              <a:rPr lang="en-US" sz="1200" dirty="0"/>
-              <a:t>): 		Domain Experience (in years):    </a:t>
-            </a:r>
-            <a:endParaRPr dirty="0"/>
-          </a:p>
-        </p:txBody>
-      </p:sp>
-    </p:spTree>
-  </p:cSld>
-  <p:clrMapOvr>
-    <a:masterClrMapping/>
-  </p:clrMapOvr>
-</p:sld>
-</file>
-
-<file path=ppt/slides/slide5.xml><?xml version="1.0" encoding="utf-8"?>
-<p:sld xmlns:a="http://schemas.openxmlformats.org/drawingml/2006/main" xmlns:r="http://schemas.openxmlformats.org/officeDocument/2006/relationships" xmlns:p="http://schemas.openxmlformats.org/presentationml/2006/main">
-  <p:cSld>
-    <p:spTree>
-      <p:nvGrpSpPr>
-        <p:cNvPr id="1" name="Shape 242"/>
-        <p:cNvGrpSpPr/>
-        <p:nvPr/>
-      </p:nvGrpSpPr>
-      <p:grpSpPr>
-        <a:xfrm>
-          <a:off x="0" y="0"/>
-          <a:ext cx="0" cy="0"/>
-          <a:chOff x="0" y="0"/>
-          <a:chExt cx="0" cy="0"/>
-        </a:xfrm>
-      </p:grpSpPr>
-      <p:sp>
-        <p:nvSpPr>
-          <p:cNvPr id="243" name="Google Shape;243;p5"/>
-          <p:cNvSpPr txBox="1">
-            <a:spLocks noGrp="1"/>
-          </p:cNvSpPr>
-          <p:nvPr>
-            <p:ph type="title"/>
-          </p:nvPr>
-        </p:nvSpPr>
-        <p:spPr>
-          <a:xfrm>
-            <a:off x="964023" y="879063"/>
-            <a:ext cx="4941477" cy="610863"/>
-          </a:xfrm>
-          <a:prstGeom prst="rect">
-            <a:avLst/>
-          </a:prstGeom>
-          <a:noFill/>
-          <a:ln>
-            <a:noFill/>
-          </a:ln>
-        </p:spPr>
-        <p:txBody>
-          <a:bodyPr spcFirstLastPara="1" wrap="square" lIns="0" tIns="0" rIns="0" bIns="0" anchor="b" anchorCtr="0">
-            <a:normAutofit/>
-          </a:bodyPr>
-          <a:lstStyle/>
-          <a:p>
-            <a:pPr marL="0" lvl="0" indent="0" algn="l" rtl="0">
-              <a:lnSpc>
-                <a:spcPct val="90000"/>
-              </a:lnSpc>
-              <a:spcBef>
-                <a:spcPts val="0"/>
-              </a:spcBef>
-              <a:spcAft>
-                <a:spcPts val="0"/>
-              </a:spcAft>
-              <a:buClr>
-                <a:schemeClr val="dk1"/>
-              </a:buClr>
-              <a:buSzPts val="4400"/>
-              <a:buFont typeface="Franklin Gothic"/>
-              <a:buNone/>
-            </a:pPr>
-            <a:r>
-              <a:rPr lang="en-US"/>
-              <a:t>Important Pointers</a:t>
-            </a:r>
-            <a:endParaRPr/>
-          </a:p>
-        </p:txBody>
-      </p:sp>
-      <p:sp>
-        <p:nvSpPr>
-          <p:cNvPr id="244" name="Google Shape;244;p5"/>
-          <p:cNvSpPr txBox="1">
-            <a:spLocks noGrp="1"/>
-          </p:cNvSpPr>
-          <p:nvPr>
-            <p:ph type="body" idx="2"/>
-          </p:nvPr>
-        </p:nvSpPr>
-        <p:spPr>
-          <a:xfrm>
-            <a:off x="952500" y="2286000"/>
-            <a:ext cx="4838700" cy="315915"/>
-          </a:xfrm>
-          <a:prstGeom prst="rect">
-            <a:avLst/>
-          </a:prstGeom>
-          <a:noFill/>
-          <a:ln>
-            <a:noFill/>
-          </a:ln>
-        </p:spPr>
-        <p:txBody>
-          <a:bodyPr spcFirstLastPara="1" wrap="square" lIns="91425" tIns="45700" rIns="91425" bIns="45700" anchor="t" anchorCtr="0">
-            <a:noAutofit/>
-          </a:bodyPr>
-          <a:lstStyle/>
-          <a:p>
-            <a:pPr marL="228600" lvl="0" indent="-228600" algn="l" rtl="0">
-              <a:lnSpc>
-                <a:spcPct val="90000"/>
-              </a:lnSpc>
-              <a:spcBef>
-                <a:spcPts val="0"/>
-              </a:spcBef>
-              <a:spcAft>
-                <a:spcPts val="0"/>
-              </a:spcAft>
-              <a:buClr>
-                <a:schemeClr val="lt2"/>
-              </a:buClr>
-              <a:buSzPts val="1800"/>
-              <a:buNone/>
-            </a:pPr>
-            <a:r>
-              <a:rPr lang="en-US"/>
-              <a:t>Please ensure below pointers are met while  </a:t>
-            </a:r>
-            <a:endParaRPr/>
-          </a:p>
-        </p:txBody>
-      </p:sp>
-      <p:sp>
-        <p:nvSpPr>
-          <p:cNvPr id="245" name="Google Shape;245;p5"/>
-          <p:cNvSpPr txBox="1">
-            <a:spLocks noGrp="1"/>
-          </p:cNvSpPr>
-          <p:nvPr>
-            <p:ph type="body" idx="1"/>
-          </p:nvPr>
-        </p:nvSpPr>
-        <p:spPr>
-          <a:xfrm>
-            <a:off x="952499" y="2656903"/>
-            <a:ext cx="10572561" cy="3922968"/>
-          </a:xfrm>
-          <a:prstGeom prst="rect">
-            <a:avLst/>
-          </a:prstGeom>
-          <a:noFill/>
-          <a:ln>
-            <a:noFill/>
-          </a:ln>
-        </p:spPr>
-        <p:txBody>
-          <a:bodyPr spcFirstLastPara="1" wrap="square" lIns="91425" tIns="45700" rIns="91425" bIns="45700" anchor="t" anchorCtr="0">
-            <a:noAutofit/>
-          </a:bodyPr>
-          <a:lstStyle/>
-          <a:p>
-            <a:pPr marL="285750" lvl="0" indent="-285750" algn="l" rtl="0">
-              <a:lnSpc>
-                <a:spcPct val="90000"/>
-              </a:lnSpc>
-              <a:spcBef>
-                <a:spcPts val="0"/>
-              </a:spcBef>
-              <a:spcAft>
-                <a:spcPts val="0"/>
-              </a:spcAft>
-              <a:buClr>
-                <a:schemeClr val="dk1"/>
-              </a:buClr>
-              <a:buSzPts val="1600"/>
-              <a:buFont typeface="Noto Sans Symbols"/>
-              <a:buChar char="⮚"/>
-            </a:pPr>
-            <a:r>
-              <a:rPr lang="en-US"/>
-              <a:t>Kindly keep the maximum slides limit to 4 pages</a:t>
-            </a:r>
-            <a:endParaRPr/>
-          </a:p>
-          <a:p>
-            <a:pPr marL="285750" lvl="0" indent="-285750" algn="l" rtl="0">
-              <a:lnSpc>
-                <a:spcPct val="90000"/>
-              </a:lnSpc>
-              <a:spcBef>
-                <a:spcPts val="1000"/>
-              </a:spcBef>
-              <a:spcAft>
-                <a:spcPts val="0"/>
-              </a:spcAft>
-              <a:buClr>
-                <a:schemeClr val="dk1"/>
-              </a:buClr>
-              <a:buSzPts val="1600"/>
-              <a:buFont typeface="Noto Sans Symbols"/>
-              <a:buChar char="⮚"/>
-            </a:pPr>
-            <a:r>
-              <a:rPr lang="en-US"/>
-              <a:t>All the topics should be utilized for description of your idea</a:t>
-            </a:r>
-            <a:endParaRPr/>
-          </a:p>
-          <a:p>
-            <a:pPr marL="285750" lvl="0" indent="-285750" algn="l" rtl="0">
-              <a:lnSpc>
-                <a:spcPct val="90000"/>
-              </a:lnSpc>
-              <a:spcBef>
-                <a:spcPts val="1000"/>
-              </a:spcBef>
-              <a:spcAft>
-                <a:spcPts val="0"/>
-              </a:spcAft>
-              <a:buClr>
-                <a:schemeClr val="dk1"/>
-              </a:buClr>
-              <a:buSzPts val="1600"/>
-              <a:buFont typeface="Noto Sans Symbols"/>
-              <a:buChar char="⮚"/>
-            </a:pPr>
-            <a:r>
-              <a:rPr lang="en-US"/>
-              <a:t>Try to avoid paragraphs and post your idea in points</a:t>
-            </a:r>
-            <a:endParaRPr/>
-          </a:p>
-          <a:p>
-            <a:pPr marL="285750" lvl="0" indent="-285750" algn="l" rtl="0">
-              <a:lnSpc>
-                <a:spcPct val="90000"/>
-              </a:lnSpc>
-              <a:spcBef>
-                <a:spcPts val="1000"/>
-              </a:spcBef>
-              <a:spcAft>
-                <a:spcPts val="0"/>
-              </a:spcAft>
-              <a:buClr>
-                <a:schemeClr val="dk1"/>
-              </a:buClr>
-              <a:buSzPts val="1600"/>
-              <a:buFont typeface="Noto Sans Symbols"/>
-              <a:buChar char="⮚"/>
-            </a:pPr>
-            <a:r>
-              <a:rPr lang="en-US"/>
-              <a:t>Keep your explanation precisely and easy to understand</a:t>
-            </a:r>
-            <a:endParaRPr/>
-          </a:p>
-          <a:p>
-            <a:pPr marL="285750" lvl="0" indent="-285750" algn="l" rtl="0">
-              <a:lnSpc>
-                <a:spcPct val="90000"/>
-              </a:lnSpc>
-              <a:spcBef>
-                <a:spcPts val="1000"/>
-              </a:spcBef>
-              <a:spcAft>
-                <a:spcPts val="0"/>
-              </a:spcAft>
-              <a:buClr>
-                <a:schemeClr val="dk1"/>
-              </a:buClr>
-              <a:buSzPts val="1600"/>
-              <a:buFont typeface="Noto Sans Symbols"/>
-              <a:buChar char="⮚"/>
-            </a:pPr>
-            <a:r>
-              <a:rPr lang="en-US"/>
-              <a:t>Idea should be unique and novel. If it has a business potential more weightage will be given. </a:t>
-            </a:r>
-            <a:endParaRPr/>
-          </a:p>
-          <a:p>
-            <a:pPr marL="285750" lvl="0" indent="-285750" algn="l" rtl="0">
-              <a:lnSpc>
-                <a:spcPct val="90000"/>
-              </a:lnSpc>
-              <a:spcBef>
-                <a:spcPts val="1000"/>
-              </a:spcBef>
-              <a:spcAft>
-                <a:spcPts val="0"/>
-              </a:spcAft>
-              <a:buClr>
-                <a:schemeClr val="dk1"/>
-              </a:buClr>
-              <a:buSzPts val="1600"/>
-              <a:buFont typeface="Noto Sans Symbols"/>
-              <a:buChar char="⮚"/>
-            </a:pPr>
-            <a:r>
-              <a:rPr lang="en-US"/>
-              <a:t>Apart from this PPT abstract of your idea will be asked separately while submitting</a:t>
-            </a:r>
-            <a:endParaRPr/>
-          </a:p>
-          <a:p>
-            <a:pPr marL="285750" lvl="0" indent="-285750" algn="l" rtl="0">
-              <a:lnSpc>
-                <a:spcPct val="90000"/>
-              </a:lnSpc>
-              <a:spcBef>
-                <a:spcPts val="1000"/>
-              </a:spcBef>
-              <a:spcAft>
-                <a:spcPts val="0"/>
-              </a:spcAft>
-              <a:buClr>
-                <a:schemeClr val="dk1"/>
-              </a:buClr>
-              <a:buSzPts val="1600"/>
-              <a:buFont typeface="Noto Sans Symbols"/>
-              <a:buChar char="⮚"/>
-            </a:pPr>
-            <a:r>
-              <a:rPr lang="en-US"/>
-              <a:t>You need to save the file in PDF and upload the same on portal. No PPT, Word Doc or any other format will be supported</a:t>
-            </a:r>
-            <a:endParaRPr/>
-          </a:p>
-          <a:p>
-            <a:pPr marL="285750" lvl="0" indent="-285750" algn="l" rtl="0">
-              <a:lnSpc>
-                <a:spcPct val="90000"/>
-              </a:lnSpc>
-              <a:spcBef>
-                <a:spcPts val="1000"/>
-              </a:spcBef>
-              <a:spcAft>
-                <a:spcPts val="0"/>
-              </a:spcAft>
-              <a:buClr>
-                <a:schemeClr val="dk1"/>
-              </a:buClr>
-              <a:buSzPts val="1600"/>
-              <a:buFont typeface="Noto Sans Symbols"/>
-              <a:buChar char="⮚"/>
-            </a:pPr>
-            <a:r>
-              <a:rPr lang="en-US"/>
-              <a:t>You can delete this slide (Important Pointers) when you upload the details of your idea on SIH portal.</a:t>
-            </a:r>
-            <a:endParaRPr/>
-          </a:p>
-        </p:txBody>
-      </p:sp>
-      <p:sp>
-        <p:nvSpPr>
-          <p:cNvPr id="246" name="Google Shape;246;p5"/>
-          <p:cNvSpPr txBox="1">
-            <a:spLocks noGrp="1"/>
-          </p:cNvSpPr>
-          <p:nvPr>
-            <p:ph type="sldNum" idx="12"/>
-          </p:nvPr>
-        </p:nvSpPr>
-        <p:spPr>
-          <a:xfrm>
-            <a:off x="971550" y="6332220"/>
-            <a:ext cx="523240" cy="247651"/>
-          </a:xfrm>
-          <a:prstGeom prst="rect">
-            <a:avLst/>
-          </a:prstGeom>
-          <a:noFill/>
-          <a:ln>
-            <a:noFill/>
-          </a:ln>
-        </p:spPr>
-        <p:txBody>
-          <a:bodyPr spcFirstLastPara="1" wrap="square" lIns="0" tIns="0" rIns="0" bIns="0" anchor="t" anchorCtr="0">
-            <a:noAutofit/>
-          </a:bodyPr>
-          <a:lstStyle/>
-          <a:p>
-            <a:pPr marL="0" lvl="0" indent="0" algn="l" rtl="0">
-              <a:spcBef>
-                <a:spcPts val="0"/>
-              </a:spcBef>
-              <a:spcAft>
-                <a:spcPts val="0"/>
-              </a:spcAft>
-              <a:buNone/>
-            </a:pPr>
-            <a:fld id="{00000000-1234-1234-1234-123412341234}" type="slidenum">
-              <a:rPr lang="en-US"/>
-              <a:t>5</a:t>
-            </a:fld>
-            <a:endParaRPr/>
           </a:p>
         </p:txBody>
       </p:sp>
